--- a/PPT/第三部分 软件测试应用/11.5 测试总结报告.pptx
+++ b/PPT/第三部分 软件测试应用/11.5 测试总结报告.pptx
@@ -5628,11 +5628,7 @@
             <a:pPr eaLnBrk="1" hangingPunct="1"/>
             <a:r>
               <a:rPr lang="zh-CN" altLang="en-US" sz="3400" b="1" dirty="0" smtClean="0"/>
-              <a:t>本章</a:t>
-            </a:r>
-            <a:r>
-              <a:rPr lang="zh-CN" altLang="en-US" sz="3400" b="1" dirty="0" smtClean="0"/>
-              <a:t>重点</a:t>
+              <a:t>本章重点</a:t>
             </a:r>
           </a:p>
           <a:p>
@@ -5840,16 +5836,16 @@
               <a:buNone/>
             </a:pPr>
             <a:r>
-              <a:rPr lang="en-US" altLang="zh-CN" dirty="0" smtClean="0">
+              <a:rPr lang="zh-CN" altLang="en-US" smtClean="0">
                 <a:ea typeface="宋体" pitchFamily="2" charset="-122"/>
               </a:rPr>
-              <a:t>    </a:t>
+              <a:t> </a:t>
             </a:r>
             <a:r>
               <a:rPr lang="zh-CN" altLang="en-US" dirty="0" smtClean="0">
                 <a:ea typeface="宋体" pitchFamily="2" charset="-122"/>
               </a:rPr>
-              <a:t>测试阶段最后即测试即将完成时进行分析和编写。  </a:t>
+              <a:t> </a:t>
             </a:r>
             <a:endParaRPr lang="en-US" altLang="zh-CN" dirty="0" smtClean="0">
               <a:ea typeface="宋体" pitchFamily="2" charset="-122"/>
